--- a/papers/journalSwarmControl/pictures/AllShapes.pptx
+++ b/papers/journalSwarmControl/pictures/AllShapes.pptx
@@ -104,6 +104,11 @@
       </a:defRPr>
     </a:lvl9pPr>
   </p:defaultTextStyle>
+  <p:extLst>
+    <p:ext uri="{EFAFB233-063F-42B5-8137-9DF3F51BA10A}">
+      <p15:sldGuideLst xmlns:p15="http://schemas.microsoft.com/office/powerpoint/2012/main"/>
+    </p:ext>
+  </p:extLst>
 </p:presentation>
 </file>
 
@@ -238,7 +243,7 @@
           <a:p>
             <a:fld id="{9EDA859D-9117-40BA-9C63-02B77D6B73EE}" type="datetimeFigureOut">
               <a:rPr lang="en-US" smtClean="0"/>
-              <a:t>8/8/2016</a:t>
+              <a:t>8/9/2016</a:t>
             </a:fld>
             <a:endParaRPr lang="en-US"/>
           </a:p>
@@ -408,7 +413,7 @@
           <a:p>
             <a:fld id="{9EDA859D-9117-40BA-9C63-02B77D6B73EE}" type="datetimeFigureOut">
               <a:rPr lang="en-US" smtClean="0"/>
-              <a:t>8/8/2016</a:t>
+              <a:t>8/9/2016</a:t>
             </a:fld>
             <a:endParaRPr lang="en-US"/>
           </a:p>
@@ -588,7 +593,7 @@
           <a:p>
             <a:fld id="{9EDA859D-9117-40BA-9C63-02B77D6B73EE}" type="datetimeFigureOut">
               <a:rPr lang="en-US" smtClean="0"/>
-              <a:t>8/8/2016</a:t>
+              <a:t>8/9/2016</a:t>
             </a:fld>
             <a:endParaRPr lang="en-US"/>
           </a:p>
@@ -758,7 +763,7 @@
           <a:p>
             <a:fld id="{9EDA859D-9117-40BA-9C63-02B77D6B73EE}" type="datetimeFigureOut">
               <a:rPr lang="en-US" smtClean="0"/>
-              <a:t>8/8/2016</a:t>
+              <a:t>8/9/2016</a:t>
             </a:fld>
             <a:endParaRPr lang="en-US"/>
           </a:p>
@@ -1002,7 +1007,7 @@
           <a:p>
             <a:fld id="{9EDA859D-9117-40BA-9C63-02B77D6B73EE}" type="datetimeFigureOut">
               <a:rPr lang="en-US" smtClean="0"/>
-              <a:t>8/8/2016</a:t>
+              <a:t>8/9/2016</a:t>
             </a:fld>
             <a:endParaRPr lang="en-US"/>
           </a:p>
@@ -1234,7 +1239,7 @@
           <a:p>
             <a:fld id="{9EDA859D-9117-40BA-9C63-02B77D6B73EE}" type="datetimeFigureOut">
               <a:rPr lang="en-US" smtClean="0"/>
-              <a:t>8/8/2016</a:t>
+              <a:t>8/9/2016</a:t>
             </a:fld>
             <a:endParaRPr lang="en-US"/>
           </a:p>
@@ -1601,7 +1606,7 @@
           <a:p>
             <a:fld id="{9EDA859D-9117-40BA-9C63-02B77D6B73EE}" type="datetimeFigureOut">
               <a:rPr lang="en-US" smtClean="0"/>
-              <a:t>8/8/2016</a:t>
+              <a:t>8/9/2016</a:t>
             </a:fld>
             <a:endParaRPr lang="en-US"/>
           </a:p>
@@ -1719,7 +1724,7 @@
           <a:p>
             <a:fld id="{9EDA859D-9117-40BA-9C63-02B77D6B73EE}" type="datetimeFigureOut">
               <a:rPr lang="en-US" smtClean="0"/>
-              <a:t>8/8/2016</a:t>
+              <a:t>8/9/2016</a:t>
             </a:fld>
             <a:endParaRPr lang="en-US"/>
           </a:p>
@@ -1814,7 +1819,7 @@
           <a:p>
             <a:fld id="{9EDA859D-9117-40BA-9C63-02B77D6B73EE}" type="datetimeFigureOut">
               <a:rPr lang="en-US" smtClean="0"/>
-              <a:t>8/8/2016</a:t>
+              <a:t>8/9/2016</a:t>
             </a:fld>
             <a:endParaRPr lang="en-US"/>
           </a:p>
@@ -2091,7 +2096,7 @@
           <a:p>
             <a:fld id="{9EDA859D-9117-40BA-9C63-02B77D6B73EE}" type="datetimeFigureOut">
               <a:rPr lang="en-US" smtClean="0"/>
-              <a:t>8/8/2016</a:t>
+              <a:t>8/9/2016</a:t>
             </a:fld>
             <a:endParaRPr lang="en-US"/>
           </a:p>
@@ -2348,7 +2353,7 @@
           <a:p>
             <a:fld id="{9EDA859D-9117-40BA-9C63-02B77D6B73EE}" type="datetimeFigureOut">
               <a:rPr lang="en-US" smtClean="0"/>
-              <a:t>8/8/2016</a:t>
+              <a:t>8/9/2016</a:t>
             </a:fld>
             <a:endParaRPr lang="en-US"/>
           </a:p>
@@ -2561,7 +2566,7 @@
           <a:p>
             <a:fld id="{9EDA859D-9117-40BA-9C63-02B77D6B73EE}" type="datetimeFigureOut">
               <a:rPr lang="en-US" smtClean="0"/>
-              <a:t>8/8/2016</a:t>
+              <a:t>8/9/2016</a:t>
             </a:fld>
             <a:endParaRPr lang="en-US"/>
           </a:p>
@@ -2968,7 +2973,7 @@
       </p:grpSpPr>
       <p:pic>
         <p:nvPicPr>
-          <p:cNvPr id="7" name="Picture 6"/>
+          <p:cNvPr id="2" name="Picture 1"/>
           <p:cNvPicPr>
             <a:picLocks noChangeAspect="1"/>
           </p:cNvPicPr>
@@ -2982,8 +2987,8 @@
         </p:blipFill>
         <p:spPr>
           <a:xfrm>
-            <a:off x="-22988" y="0"/>
-            <a:ext cx="6880988" cy="6858001"/>
+            <a:off x="0" y="-11411"/>
+            <a:ext cx="6858000" cy="6869412"/>
           </a:xfrm>
           <a:prstGeom prst="rect">
             <a:avLst/>
